--- a/01 Classes/Aula 03 - Aplicação Cloud Indústria 40 Python.pptx
+++ b/01 Classes/Aula 03 - Aplicação Cloud Indústria 40 Python.pptx
@@ -4552,21 +4552,8 @@
                   <a:schemeClr val="bg1"/>
                 </a:solidFill>
               </a:rPr>
-              <a:t>Desenvolvimento de Aplicações – Plataforma Middleware para IOT em </a:t>
-            </a:r>
-            <a:r>
-              <a:rPr lang="pt-BR" sz="3600" b="1" dirty="0" err="1">
-                <a:solidFill>
-                  <a:schemeClr val="bg1"/>
-                </a:solidFill>
-              </a:rPr>
-              <a:t>Puthon</a:t>
-            </a:r>
-            <a:endParaRPr lang="pt-BR" sz="3600" b="1" dirty="0">
-              <a:solidFill>
-                <a:schemeClr val="bg1"/>
-              </a:solidFill>
-            </a:endParaRPr>
+              <a:t>Desenvolvimento de Aplicações – Plataforma Middleware para IOT em Python</a:t>
+            </a:r>
           </a:p>
         </p:txBody>
       </p:sp>
